--- a/ppts/Week 03 - Tuesday.pptx
+++ b/ppts/Week 03 - Tuesday.pptx
@@ -5,7 +5,7 @@
     <p:sldMasterId id="2147483648" r:id="rId1"/>
   </p:sldMasterIdLst>
   <p:notesMasterIdLst>
-    <p:notesMasterId r:id="rId28"/>
+    <p:notesMasterId r:id="rId29"/>
   </p:notesMasterIdLst>
   <p:sldIdLst>
     <p:sldId id="256" r:id="rId2"/>
@@ -32,8 +32,9 @@
     <p:sldId id="292" r:id="rId23"/>
     <p:sldId id="308" r:id="rId24"/>
     <p:sldId id="285" r:id="rId25"/>
-    <p:sldId id="295" r:id="rId26"/>
-    <p:sldId id="303" r:id="rId27"/>
+    <p:sldId id="309" r:id="rId26"/>
+    <p:sldId id="295" r:id="rId27"/>
+    <p:sldId id="303" r:id="rId28"/>
   </p:sldIdLst>
   <p:sldSz cx="12192000" cy="6858000"/>
   <p:notesSz cx="7010400" cy="9296400"/>
@@ -161,6 +162,7 @@
             <p14:sldId id="292"/>
             <p14:sldId id="308"/>
             <p14:sldId id="285"/>
+            <p14:sldId id="309"/>
             <p14:sldId id="295"/>
             <p14:sldId id="303"/>
           </p14:sldIdLst>
@@ -2327,12 +2329,18 @@
           <a:p>
             <a:r>
               <a:rPr lang="en-US" dirty="0"/>
-              <a:t>I </a:t>
+              <a:t>One of the things to worry about with z-scores is that you end up with a value…and so </a:t>
             </a:r>
             <a:r>
               <a:rPr lang="en-US"/>
-              <a:t>mean computers…</a:t>
-            </a:r>
+              <a:t>we have to refer to a chart.</a:t>
+            </a:r>
+            <a:endParaRPr lang="en-US" dirty="0"/>
+          </a:p>
+          <a:p>
+            <a:endParaRPr lang="en-US" dirty="0"/>
+          </a:p>
+          <a:p>
             <a:endParaRPr lang="en-US" dirty="0"/>
           </a:p>
         </p:txBody>
@@ -2363,7 +2371,7 @@
     </p:spTree>
     <p:extLst>
       <p:ext uri="{BB962C8B-B14F-4D97-AF65-F5344CB8AC3E}">
-        <p14:creationId xmlns:p14="http://schemas.microsoft.com/office/powerpoint/2010/main" val="3103550959"/>
+        <p14:creationId xmlns:p14="http://schemas.microsoft.com/office/powerpoint/2010/main" val="3362979208"/>
       </p:ext>
     </p:extLst>
   </p:cSld>
@@ -2419,13 +2427,12 @@
           <a:p>
             <a:r>
               <a:rPr lang="en-US" dirty="0"/>
-              <a:t>See you Thursday!!</a:t>
-            </a:r>
-          </a:p>
-          <a:p>
-            <a:endParaRPr lang="en-US" dirty="0"/>
-          </a:p>
-          <a:p>
+              <a:t>I </a:t>
+            </a:r>
+            <a:r>
+              <a:rPr lang="en-US"/>
+              <a:t>mean computers…</a:t>
+            </a:r>
             <a:endParaRPr lang="en-US" dirty="0"/>
           </a:p>
         </p:txBody>
@@ -2448,6 +2455,99 @@
             <a:fld id="{A7B8F631-99FB-6340-909A-99633E55D376}" type="slidenum">
               <a:rPr lang="en-US" smtClean="0"/>
               <a:t>26</a:t>
+            </a:fld>
+            <a:endParaRPr lang="en-US"/>
+          </a:p>
+        </p:txBody>
+      </p:sp>
+    </p:spTree>
+    <p:extLst>
+      <p:ext uri="{BB962C8B-B14F-4D97-AF65-F5344CB8AC3E}">
+        <p14:creationId xmlns:p14="http://schemas.microsoft.com/office/powerpoint/2010/main" val="3103550959"/>
+      </p:ext>
+    </p:extLst>
+  </p:cSld>
+  <p:clrMapOvr>
+    <a:masterClrMapping/>
+  </p:clrMapOvr>
+</p:notes>
+</file>
+
+<file path=ppt/notesSlides/notesSlide27.xml><?xml version="1.0" encoding="utf-8"?>
+<p:notes xmlns:a="http://schemas.openxmlformats.org/drawingml/2006/main" xmlns:r="http://schemas.openxmlformats.org/officeDocument/2006/relationships" xmlns:p="http://schemas.openxmlformats.org/presentationml/2006/main">
+  <p:cSld>
+    <p:spTree>
+      <p:nvGrpSpPr>
+        <p:cNvPr id="1" name=""/>
+        <p:cNvGrpSpPr/>
+        <p:nvPr/>
+      </p:nvGrpSpPr>
+      <p:grpSpPr>
+        <a:xfrm>
+          <a:off x="0" y="0"/>
+          <a:ext cx="0" cy="0"/>
+          <a:chOff x="0" y="0"/>
+          <a:chExt cx="0" cy="0"/>
+        </a:xfrm>
+      </p:grpSpPr>
+      <p:sp>
+        <p:nvSpPr>
+          <p:cNvPr id="2" name="Slide Image Placeholder 1"/>
+          <p:cNvSpPr>
+            <a:spLocks noGrp="1" noRot="1" noChangeAspect="1"/>
+          </p:cNvSpPr>
+          <p:nvPr>
+            <p:ph type="sldImg"/>
+          </p:nvPr>
+        </p:nvSpPr>
+        <p:spPr/>
+      </p:sp>
+      <p:sp>
+        <p:nvSpPr>
+          <p:cNvPr id="3" name="Notes Placeholder 2"/>
+          <p:cNvSpPr>
+            <a:spLocks noGrp="1"/>
+          </p:cNvSpPr>
+          <p:nvPr>
+            <p:ph type="body" idx="1"/>
+          </p:nvPr>
+        </p:nvSpPr>
+        <p:spPr/>
+        <p:txBody>
+          <a:bodyPr/>
+          <a:lstStyle/>
+          <a:p>
+            <a:r>
+              <a:rPr lang="en-US" dirty="0"/>
+              <a:t>See you Thursday!!</a:t>
+            </a:r>
+          </a:p>
+          <a:p>
+            <a:endParaRPr lang="en-US" dirty="0"/>
+          </a:p>
+          <a:p>
+            <a:endParaRPr lang="en-US" dirty="0"/>
+          </a:p>
+        </p:txBody>
+      </p:sp>
+      <p:sp>
+        <p:nvSpPr>
+          <p:cNvPr id="4" name="Slide Number Placeholder 3"/>
+          <p:cNvSpPr>
+            <a:spLocks noGrp="1"/>
+          </p:cNvSpPr>
+          <p:nvPr>
+            <p:ph type="sldNum" sz="quarter" idx="5"/>
+          </p:nvPr>
+        </p:nvSpPr>
+        <p:spPr/>
+        <p:txBody>
+          <a:bodyPr/>
+          <a:lstStyle/>
+          <a:p>
+            <a:fld id="{A7B8F631-99FB-6340-909A-99633E55D376}" type="slidenum">
+              <a:rPr lang="en-US" smtClean="0"/>
+              <a:t>27</a:t>
             </a:fld>
             <a:endParaRPr lang="en-US"/>
           </a:p>
@@ -8091,6 +8191,83 @@
         </p:nvSpPr>
         <p:spPr>
           <a:xfrm>
+            <a:off x="929640" y="2816939"/>
+            <a:ext cx="10332720" cy="1224121"/>
+          </a:xfrm>
+        </p:spPr>
+        <p:txBody>
+          <a:bodyPr anchor="ctr">
+            <a:normAutofit fontScale="92500"/>
+          </a:bodyPr>
+          <a:lstStyle/>
+          <a:p>
+            <a:r>
+              <a:rPr lang="en-US" sz="8000" dirty="0">
+                <a:solidFill>
+                  <a:schemeClr val="bg1"/>
+                </a:solidFill>
+              </a:rPr>
+              <a:t>and we get even weirder…</a:t>
+            </a:r>
+          </a:p>
+        </p:txBody>
+      </p:sp>
+    </p:spTree>
+    <p:extLst>
+      <p:ext uri="{BB962C8B-B14F-4D97-AF65-F5344CB8AC3E}">
+        <p14:creationId xmlns:p14="http://schemas.microsoft.com/office/powerpoint/2010/main" val="1708942956"/>
+      </p:ext>
+    </p:extLst>
+  </p:cSld>
+  <p:clrMapOvr>
+    <a:masterClrMapping/>
+  </p:clrMapOvr>
+</p:sld>
+</file>
+
+<file path=ppt/slides/slide26.xml><?xml version="1.0" encoding="utf-8"?>
+<p:sld xmlns:a="http://schemas.openxmlformats.org/drawingml/2006/main" xmlns:r="http://schemas.openxmlformats.org/officeDocument/2006/relationships" xmlns:p="http://schemas.openxmlformats.org/presentationml/2006/main">
+  <p:cSld>
+    <p:bg>
+      <p:bgPr>
+        <a:solidFill>
+          <a:schemeClr val="tx1"/>
+        </a:solidFill>
+        <a:effectLst/>
+      </p:bgPr>
+    </p:bg>
+    <p:spTree>
+      <p:nvGrpSpPr>
+        <p:cNvPr id="1" name=""/>
+        <p:cNvGrpSpPr/>
+        <p:nvPr/>
+      </p:nvGrpSpPr>
+      <p:grpSpPr>
+        <a:xfrm>
+          <a:off x="0" y="0"/>
+          <a:ext cx="0" cy="0"/>
+          <a:chOff x="0" y="0"/>
+          <a:chExt cx="0" cy="0"/>
+        </a:xfrm>
+      </p:grpSpPr>
+      <p:sp>
+        <p:nvSpPr>
+          <p:cNvPr id="3" name="Subtitle 2">
+            <a:extLst>
+              <a:ext uri="{FF2B5EF4-FFF2-40B4-BE49-F238E27FC236}">
+                <a16:creationId xmlns:a16="http://schemas.microsoft.com/office/drawing/2014/main" id="{AE29EAA5-13DF-6B55-E064-01DEFA1FE6E8}"/>
+              </a:ext>
+            </a:extLst>
+          </p:cNvPr>
+          <p:cNvSpPr>
+            <a:spLocks noGrp="1"/>
+          </p:cNvSpPr>
+          <p:nvPr>
+            <p:ph type="subTitle" idx="1"/>
+          </p:nvPr>
+        </p:nvSpPr>
+        <p:spPr>
+          <a:xfrm>
             <a:off x="929640" y="1543551"/>
             <a:ext cx="10332720" cy="3770897"/>
           </a:xfrm>
@@ -8138,7 +8315,7 @@
 </p:sld>
 </file>
 
-<file path=ppt/slides/slide26.xml><?xml version="1.0" encoding="utf-8"?>
+<file path=ppt/slides/slide27.xml><?xml version="1.0" encoding="utf-8"?>
 <p:sld xmlns:a="http://schemas.openxmlformats.org/drawingml/2006/main" xmlns:r="http://schemas.openxmlformats.org/officeDocument/2006/relationships" xmlns:p="http://schemas.openxmlformats.org/presentationml/2006/main">
   <p:cSld>
     <p:bg>
